--- a/isoft_printlove_ui/doc/printlove设计模型.pptx
+++ b/isoft_printlove_ui/doc/printlove设计模型.pptx
@@ -8,11 +8,14 @@
     <p:notesMasterId r:id="rId4"/>
   </p:notesMasterIdLst>
   <p:handoutMasterIdLst>
-    <p:handoutMasterId r:id="rId6"/>
+    <p:handoutMasterId r:id="rId9"/>
   </p:handoutMasterIdLst>
   <p:sldIdLst>
     <p:sldId id="256" r:id="rId3"/>
     <p:sldId id="257" r:id="rId5"/>
+    <p:sldId id="258" r:id="rId6"/>
+    <p:sldId id="259" r:id="rId7"/>
+    <p:sldId id="260" r:id="rId8"/>
   </p:sldIdLst>
   <p:sldSz cx="12192000" cy="6858000"/>
   <p:notesSz cx="6858000" cy="9144000"/>
@@ -6196,18 +6199,39 @@
           </a:p>
         </p:txBody>
       </p:sp>
-      <p:sp>
-        <p:nvSpPr>
-          <p:cNvPr id="15" name="流程图: 终止 14"/>
+    </p:spTree>
+    <p:custDataLst>
+      <p:tags r:id="rId1"/>
+    </p:custDataLst>
+  </p:cSld>
+  <p:clrMapOvr>
+    <a:masterClrMapping/>
+  </p:clrMapOvr>
+</p:sld>
+</file>
+
+<file path=ppt/slides/slide3.xml><?xml version="1.0" encoding="utf-8"?>
+<p:sld xmlns:a="http://schemas.openxmlformats.org/drawingml/2006/main" xmlns:r="http://schemas.openxmlformats.org/officeDocument/2006/relationships" xmlns:p="http://schemas.openxmlformats.org/presentationml/2006/main">
+  <p:cSld>
+    <p:spTree>
+      <p:nvGrpSpPr>
+        <p:cNvPr id="1" name=""/>
+        <p:cNvGrpSpPr/>
+        <p:nvPr/>
+      </p:nvGrpSpPr>
+      <p:grpSpPr/>
+      <p:sp>
+        <p:nvSpPr>
+          <p:cNvPr id="4" name="圆角矩形 3"/>
           <p:cNvSpPr/>
           <p:nvPr/>
         </p:nvSpPr>
         <p:spPr>
           <a:xfrm>
-            <a:off x="3652520" y="5655310"/>
-            <a:ext cx="1238250" cy="606425"/>
-          </a:xfrm>
-          <a:prstGeom prst="flowChartTerminator">
+            <a:off x="722630" y="742950"/>
+            <a:ext cx="10915015" cy="5881370"/>
+          </a:xfrm>
+          <a:prstGeom prst="roundRect">
             <a:avLst/>
           </a:prstGeom>
         </p:spPr>
@@ -6229,19 +6253,795 @@
           <a:bodyPr rtlCol="0" anchor="ctr"/>
           <a:p>
             <a:pPr algn="ctr"/>
+            <a:endParaRPr lang="zh-CN" altLang="en-US"/>
+          </a:p>
+        </p:txBody>
+      </p:sp>
+      <p:sp>
+        <p:nvSpPr>
+          <p:cNvPr id="5" name="文本框 4"/>
+          <p:cNvSpPr txBox="1"/>
+          <p:nvPr/>
+        </p:nvSpPr>
+        <p:spPr>
+          <a:xfrm>
+            <a:off x="2393315" y="236855"/>
+            <a:ext cx="640080" cy="368300"/>
+          </a:xfrm>
+          <a:prstGeom prst="rect">
+            <a:avLst/>
+          </a:prstGeom>
+          <a:noFill/>
+        </p:spPr>
+        <p:txBody>
+          <a:bodyPr wrap="none" rtlCol="0">
+            <a:spAutoFit/>
+          </a:bodyPr>
+          <a:p>
             <a:r>
               <a:rPr lang="zh-CN" altLang="en-US"/>
               <a:t>注册</a:t>
             </a:r>
             <a:endParaRPr lang="zh-CN" altLang="en-US"/>
           </a:p>
+        </p:txBody>
+      </p:sp>
+      <p:sp>
+        <p:nvSpPr>
+          <p:cNvPr id="2" name="圆角矩形 1"/>
+          <p:cNvSpPr/>
+          <p:nvPr/>
+        </p:nvSpPr>
+        <p:spPr>
+          <a:xfrm>
+            <a:off x="7273290" y="2653030"/>
+            <a:ext cx="3588385" cy="2375535"/>
+          </a:xfrm>
+          <a:prstGeom prst="roundRect">
+            <a:avLst/>
+          </a:prstGeom>
+        </p:spPr>
+        <p:style>
+          <a:lnRef idx="2">
+            <a:schemeClr val="accent6"/>
+          </a:lnRef>
+          <a:fillRef idx="1">
+            <a:schemeClr val="lt1"/>
+          </a:fillRef>
+          <a:effectRef idx="0">
+            <a:schemeClr val="accent6"/>
+          </a:effectRef>
+          <a:fontRef idx="minor">
+            <a:schemeClr val="dk1"/>
+          </a:fontRef>
+        </p:style>
+        <p:txBody>
+          <a:bodyPr rtlCol="0" anchor="ctr"/>
           <a:p>
             <a:pPr algn="ctr"/>
+            <a:endParaRPr lang="zh-CN" altLang="en-US"/>
+          </a:p>
+        </p:txBody>
+      </p:sp>
+      <p:sp>
+        <p:nvSpPr>
+          <p:cNvPr id="3" name="文本框 2"/>
+          <p:cNvSpPr txBox="1"/>
+          <p:nvPr/>
+        </p:nvSpPr>
+        <p:spPr>
+          <a:xfrm>
+            <a:off x="8138160" y="3199765"/>
+            <a:ext cx="640080" cy="1476375"/>
+          </a:xfrm>
+          <a:prstGeom prst="rect">
+            <a:avLst/>
+          </a:prstGeom>
+          <a:noFill/>
+        </p:spPr>
+        <p:txBody>
+          <a:bodyPr wrap="none" rtlCol="0">
+            <a:spAutoFit/>
+          </a:bodyPr>
+          <a:p>
             <a:r>
               <a:rPr lang="zh-CN" altLang="en-US"/>
-              <a:t>register</a:t>
-            </a:r>
-            <a:endParaRPr lang="zh-CN" altLang="en-US"/>
+              <a:t>邮箱</a:t>
+            </a:r>
+            <a:endParaRPr lang="zh-CN" altLang="en-US"/>
+          </a:p>
+          <a:p>
+            <a:endParaRPr lang="zh-CN" altLang="en-US"/>
+          </a:p>
+          <a:p>
+            <a:r>
+              <a:rPr lang="zh-CN" altLang="en-US"/>
+              <a:t>密码</a:t>
+            </a:r>
+            <a:endParaRPr lang="zh-CN" altLang="en-US"/>
+          </a:p>
+          <a:p>
+            <a:endParaRPr lang="zh-CN" altLang="en-US"/>
+          </a:p>
+          <a:p>
+            <a:r>
+              <a:rPr lang="zh-CN" altLang="en-US"/>
+              <a:t>提交</a:t>
+            </a:r>
+            <a:endParaRPr lang="zh-CN" altLang="en-US"/>
+          </a:p>
+        </p:txBody>
+      </p:sp>
+    </p:spTree>
+    <p:custDataLst>
+      <p:tags r:id="rId1"/>
+    </p:custDataLst>
+  </p:cSld>
+  <p:clrMapOvr>
+    <a:masterClrMapping/>
+  </p:clrMapOvr>
+</p:sld>
+</file>
+
+<file path=ppt/slides/slide4.xml><?xml version="1.0" encoding="utf-8"?>
+<p:sld xmlns:a="http://schemas.openxmlformats.org/drawingml/2006/main" xmlns:r="http://schemas.openxmlformats.org/officeDocument/2006/relationships" xmlns:p="http://schemas.openxmlformats.org/presentationml/2006/main">
+  <p:cSld>
+    <p:spTree>
+      <p:nvGrpSpPr>
+        <p:cNvPr id="1" name=""/>
+        <p:cNvGrpSpPr/>
+        <p:nvPr/>
+      </p:nvGrpSpPr>
+      <p:grpSpPr/>
+      <p:sp>
+        <p:nvSpPr>
+          <p:cNvPr id="4" name="圆角矩形 3"/>
+          <p:cNvSpPr/>
+          <p:nvPr/>
+        </p:nvSpPr>
+        <p:spPr>
+          <a:xfrm>
+            <a:off x="722630" y="733425"/>
+            <a:ext cx="10915015" cy="5881370"/>
+          </a:xfrm>
+          <a:prstGeom prst="roundRect">
+            <a:avLst/>
+          </a:prstGeom>
+        </p:spPr>
+        <p:style>
+          <a:lnRef idx="2">
+            <a:schemeClr val="accent6"/>
+          </a:lnRef>
+          <a:fillRef idx="1">
+            <a:schemeClr val="lt1"/>
+          </a:fillRef>
+          <a:effectRef idx="0">
+            <a:schemeClr val="accent6"/>
+          </a:effectRef>
+          <a:fontRef idx="minor">
+            <a:schemeClr val="dk1"/>
+          </a:fontRef>
+        </p:style>
+        <p:txBody>
+          <a:bodyPr rtlCol="0" anchor="ctr"/>
+          <a:p>
+            <a:pPr algn="ctr"/>
+            <a:endParaRPr lang="zh-CN" altLang="en-US"/>
+          </a:p>
+        </p:txBody>
+      </p:sp>
+      <p:sp>
+        <p:nvSpPr>
+          <p:cNvPr id="5" name="文本框 4"/>
+          <p:cNvSpPr txBox="1"/>
+          <p:nvPr/>
+        </p:nvSpPr>
+        <p:spPr>
+          <a:xfrm>
+            <a:off x="2393315" y="236855"/>
+            <a:ext cx="640080" cy="368300"/>
+          </a:xfrm>
+          <a:prstGeom prst="rect">
+            <a:avLst/>
+          </a:prstGeom>
+          <a:noFill/>
+        </p:spPr>
+        <p:txBody>
+          <a:bodyPr wrap="none" rtlCol="0">
+            <a:spAutoFit/>
+          </a:bodyPr>
+          <a:p>
+            <a:r>
+              <a:rPr lang="zh-CN" altLang="en-US"/>
+              <a:t>查询</a:t>
+            </a:r>
+            <a:endParaRPr lang="zh-CN" altLang="en-US"/>
+          </a:p>
+        </p:txBody>
+      </p:sp>
+      <p:sp>
+        <p:nvSpPr>
+          <p:cNvPr id="2" name="圆角矩形 1"/>
+          <p:cNvSpPr/>
+          <p:nvPr/>
+        </p:nvSpPr>
+        <p:spPr>
+          <a:xfrm>
+            <a:off x="3347720" y="1360805"/>
+            <a:ext cx="5764530" cy="358140"/>
+          </a:xfrm>
+          <a:prstGeom prst="roundRect">
+            <a:avLst/>
+          </a:prstGeom>
+        </p:spPr>
+        <p:style>
+          <a:lnRef idx="2">
+            <a:schemeClr val="accent6"/>
+          </a:lnRef>
+          <a:fillRef idx="1">
+            <a:schemeClr val="lt1"/>
+          </a:fillRef>
+          <a:effectRef idx="0">
+            <a:schemeClr val="accent6"/>
+          </a:effectRef>
+          <a:fontRef idx="minor">
+            <a:schemeClr val="dk1"/>
+          </a:fontRef>
+        </p:style>
+        <p:txBody>
+          <a:bodyPr rtlCol="0" anchor="ctr"/>
+          <a:p>
+            <a:pPr algn="ctr"/>
+            <a:endParaRPr lang="zh-CN" altLang="en-US"/>
+          </a:p>
+        </p:txBody>
+      </p:sp>
+      <p:sp>
+        <p:nvSpPr>
+          <p:cNvPr id="3" name="文本框 2"/>
+          <p:cNvSpPr txBox="1"/>
+          <p:nvPr/>
+        </p:nvSpPr>
+        <p:spPr>
+          <a:xfrm>
+            <a:off x="4799330" y="1360805"/>
+            <a:ext cx="1017270" cy="368300"/>
+          </a:xfrm>
+          <a:prstGeom prst="rect">
+            <a:avLst/>
+          </a:prstGeom>
+          <a:noFill/>
+        </p:spPr>
+        <p:txBody>
+          <a:bodyPr wrap="square" rtlCol="0">
+            <a:spAutoFit/>
+          </a:bodyPr>
+          <a:p>
+            <a:r>
+              <a:rPr lang="zh-CN" altLang="en-US"/>
+              <a:t>邮箱：</a:t>
+            </a:r>
+            <a:endParaRPr lang="zh-CN" altLang="en-US"/>
+          </a:p>
+        </p:txBody>
+      </p:sp>
+      <p:sp>
+        <p:nvSpPr>
+          <p:cNvPr id="6" name="文本框 5"/>
+          <p:cNvSpPr txBox="1"/>
+          <p:nvPr/>
+        </p:nvSpPr>
+        <p:spPr>
+          <a:xfrm>
+            <a:off x="9191625" y="1351280"/>
+            <a:ext cx="640080" cy="368300"/>
+          </a:xfrm>
+          <a:prstGeom prst="rect">
+            <a:avLst/>
+          </a:prstGeom>
+          <a:noFill/>
+        </p:spPr>
+        <p:txBody>
+          <a:bodyPr wrap="none" rtlCol="0">
+            <a:spAutoFit/>
+          </a:bodyPr>
+          <a:p>
+            <a:r>
+              <a:rPr lang="zh-CN" altLang="en-US"/>
+              <a:t>查询</a:t>
+            </a:r>
+            <a:endParaRPr lang="zh-CN" altLang="en-US"/>
+          </a:p>
+        </p:txBody>
+      </p:sp>
+      <p:sp>
+        <p:nvSpPr>
+          <p:cNvPr id="7" name="圆角矩形 6"/>
+          <p:cNvSpPr/>
+          <p:nvPr/>
+        </p:nvSpPr>
+        <p:spPr>
+          <a:xfrm>
+            <a:off x="3357245" y="1986915"/>
+            <a:ext cx="5784850" cy="2832735"/>
+          </a:xfrm>
+          <a:prstGeom prst="roundRect">
+            <a:avLst/>
+          </a:prstGeom>
+        </p:spPr>
+        <p:style>
+          <a:lnRef idx="2">
+            <a:schemeClr val="accent6"/>
+          </a:lnRef>
+          <a:fillRef idx="1">
+            <a:schemeClr val="lt1"/>
+          </a:fillRef>
+          <a:effectRef idx="0">
+            <a:schemeClr val="accent6"/>
+          </a:effectRef>
+          <a:fontRef idx="minor">
+            <a:schemeClr val="dk1"/>
+          </a:fontRef>
+        </p:style>
+        <p:txBody>
+          <a:bodyPr rtlCol="0" anchor="ctr"/>
+          <a:p>
+            <a:pPr algn="ctr"/>
+            <a:endParaRPr lang="zh-CN" altLang="en-US"/>
+          </a:p>
+        </p:txBody>
+      </p:sp>
+      <p:sp>
+        <p:nvSpPr>
+          <p:cNvPr id="8" name="文本框 7"/>
+          <p:cNvSpPr txBox="1"/>
+          <p:nvPr/>
+        </p:nvSpPr>
+        <p:spPr>
+          <a:xfrm>
+            <a:off x="4112895" y="2235835"/>
+            <a:ext cx="640080" cy="368300"/>
+          </a:xfrm>
+          <a:prstGeom prst="rect">
+            <a:avLst/>
+          </a:prstGeom>
+          <a:noFill/>
+        </p:spPr>
+        <p:txBody>
+          <a:bodyPr wrap="none" rtlCol="0">
+            <a:spAutoFit/>
+          </a:bodyPr>
+          <a:p>
+            <a:r>
+              <a:rPr lang="zh-CN" altLang="en-US"/>
+              <a:t>记录</a:t>
+            </a:r>
+            <a:endParaRPr lang="zh-CN" altLang="en-US"/>
+          </a:p>
+        </p:txBody>
+      </p:sp>
+    </p:spTree>
+    <p:custDataLst>
+      <p:tags r:id="rId1"/>
+    </p:custDataLst>
+  </p:cSld>
+  <p:clrMapOvr>
+    <a:masterClrMapping/>
+  </p:clrMapOvr>
+</p:sld>
+</file>
+
+<file path=ppt/slides/slide5.xml><?xml version="1.0" encoding="utf-8"?>
+<p:sld xmlns:a="http://schemas.openxmlformats.org/drawingml/2006/main" xmlns:r="http://schemas.openxmlformats.org/officeDocument/2006/relationships" xmlns:p="http://schemas.openxmlformats.org/presentationml/2006/main">
+  <p:cSld>
+    <p:spTree>
+      <p:nvGrpSpPr>
+        <p:cNvPr id="1" name=""/>
+        <p:cNvGrpSpPr/>
+        <p:nvPr/>
+      </p:nvGrpSpPr>
+      <p:grpSpPr/>
+      <p:sp>
+        <p:nvSpPr>
+          <p:cNvPr id="15" name="心形 14"/>
+          <p:cNvSpPr/>
+          <p:nvPr/>
+        </p:nvSpPr>
+        <p:spPr>
+          <a:xfrm>
+            <a:off x="337185" y="236855"/>
+            <a:ext cx="11288395" cy="6490970"/>
+          </a:xfrm>
+          <a:prstGeom prst="heart">
+            <a:avLst/>
+          </a:prstGeom>
+        </p:spPr>
+        <p:style>
+          <a:lnRef idx="2">
+            <a:schemeClr val="accent6"/>
+          </a:lnRef>
+          <a:fillRef idx="1">
+            <a:schemeClr val="lt1"/>
+          </a:fillRef>
+          <a:effectRef idx="0">
+            <a:schemeClr val="accent6"/>
+          </a:effectRef>
+          <a:fontRef idx="minor">
+            <a:schemeClr val="dk1"/>
+          </a:fontRef>
+        </p:style>
+        <p:txBody>
+          <a:bodyPr rtlCol="0" anchor="ctr"/>
+          <a:p>
+            <a:pPr algn="ctr"/>
+            <a:endParaRPr lang="zh-CN" altLang="en-US"/>
+          </a:p>
+        </p:txBody>
+      </p:sp>
+      <p:sp>
+        <p:nvSpPr>
+          <p:cNvPr id="5" name="文本框 4"/>
+          <p:cNvSpPr txBox="1"/>
+          <p:nvPr/>
+        </p:nvSpPr>
+        <p:spPr>
+          <a:xfrm>
+            <a:off x="2393315" y="236855"/>
+            <a:ext cx="640080" cy="368300"/>
+          </a:xfrm>
+          <a:prstGeom prst="rect">
+            <a:avLst/>
+          </a:prstGeom>
+          <a:noFill/>
+        </p:spPr>
+        <p:txBody>
+          <a:bodyPr wrap="none" rtlCol="0">
+            <a:spAutoFit/>
+          </a:bodyPr>
+          <a:p>
+            <a:r>
+              <a:rPr lang="zh-CN" altLang="en-US"/>
+              <a:t>展示</a:t>
+            </a:r>
+            <a:endParaRPr lang="zh-CN" altLang="en-US"/>
+          </a:p>
+        </p:txBody>
+      </p:sp>
+      <p:sp>
+        <p:nvSpPr>
+          <p:cNvPr id="2" name="圆角矩形 1"/>
+          <p:cNvSpPr/>
+          <p:nvPr/>
+        </p:nvSpPr>
+        <p:spPr>
+          <a:xfrm>
+            <a:off x="1677670" y="1170940"/>
+            <a:ext cx="2693670" cy="1581785"/>
+          </a:xfrm>
+          <a:prstGeom prst="roundRect">
+            <a:avLst/>
+          </a:prstGeom>
+        </p:spPr>
+        <p:style>
+          <a:lnRef idx="2">
+            <a:schemeClr val="accent6"/>
+          </a:lnRef>
+          <a:fillRef idx="1">
+            <a:schemeClr val="lt1"/>
+          </a:fillRef>
+          <a:effectRef idx="0">
+            <a:schemeClr val="accent6"/>
+          </a:effectRef>
+          <a:fontRef idx="minor">
+            <a:schemeClr val="dk1"/>
+          </a:fontRef>
+        </p:style>
+        <p:txBody>
+          <a:bodyPr rtlCol="0" anchor="ctr"/>
+          <a:p>
+            <a:pPr algn="ctr"/>
+            <a:endParaRPr lang="zh-CN" altLang="en-US"/>
+          </a:p>
+        </p:txBody>
+      </p:sp>
+      <p:sp>
+        <p:nvSpPr>
+          <p:cNvPr id="3" name="圆角矩形 2"/>
+          <p:cNvSpPr/>
+          <p:nvPr/>
+        </p:nvSpPr>
+        <p:spPr>
+          <a:xfrm>
+            <a:off x="7730490" y="1170940"/>
+            <a:ext cx="2782570" cy="1582420"/>
+          </a:xfrm>
+          <a:prstGeom prst="roundRect">
+            <a:avLst/>
+          </a:prstGeom>
+        </p:spPr>
+        <p:style>
+          <a:lnRef idx="2">
+            <a:schemeClr val="accent6"/>
+          </a:lnRef>
+          <a:fillRef idx="1">
+            <a:schemeClr val="lt1"/>
+          </a:fillRef>
+          <a:effectRef idx="0">
+            <a:schemeClr val="accent6"/>
+          </a:effectRef>
+          <a:fontRef idx="minor">
+            <a:schemeClr val="dk1"/>
+          </a:fontRef>
+        </p:style>
+        <p:txBody>
+          <a:bodyPr rtlCol="0" anchor="ctr"/>
+          <a:p>
+            <a:pPr algn="ctr"/>
+            <a:endParaRPr lang="zh-CN" altLang="en-US"/>
+          </a:p>
+        </p:txBody>
+      </p:sp>
+      <p:cxnSp>
+        <p:nvCxnSpPr>
+          <p:cNvPr id="7" name="直接箭头连接符 6"/>
+          <p:cNvCxnSpPr/>
+          <p:nvPr/>
+        </p:nvCxnSpPr>
+        <p:spPr>
+          <a:xfrm>
+            <a:off x="4371340" y="2350135"/>
+            <a:ext cx="3359150" cy="5080"/>
+          </a:xfrm>
+          <a:prstGeom prst="straightConnector1">
+            <a:avLst/>
+          </a:prstGeom>
+          <a:ln>
+            <a:headEnd type="arrow"/>
+            <a:tailEnd type="arrow"/>
+          </a:ln>
+        </p:spPr>
+        <p:style>
+          <a:lnRef idx="1">
+            <a:schemeClr val="accent1"/>
+          </a:lnRef>
+          <a:fillRef idx="0">
+            <a:schemeClr val="accent1"/>
+          </a:fillRef>
+          <a:effectRef idx="0">
+            <a:schemeClr val="accent1"/>
+          </a:effectRef>
+          <a:fontRef idx="minor">
+            <a:schemeClr val="tx1"/>
+          </a:fontRef>
+        </p:style>
+      </p:cxnSp>
+      <p:sp>
+        <p:nvSpPr>
+          <p:cNvPr id="9" name="文本框 8"/>
+          <p:cNvSpPr txBox="1"/>
+          <p:nvPr/>
+        </p:nvSpPr>
+        <p:spPr>
+          <a:xfrm>
+            <a:off x="2672080" y="1579880"/>
+            <a:ext cx="538480" cy="368300"/>
+          </a:xfrm>
+          <a:prstGeom prst="rect">
+            <a:avLst/>
+          </a:prstGeom>
+          <a:noFill/>
+        </p:spPr>
+        <p:txBody>
+          <a:bodyPr wrap="none" rtlCol="0">
+            <a:spAutoFit/>
+          </a:bodyPr>
+          <a:p>
+            <a:r>
+              <a:rPr lang="en-US" altLang="zh-CN"/>
+              <a:t>self</a:t>
+            </a:r>
+            <a:endParaRPr lang="en-US" altLang="zh-CN"/>
+          </a:p>
+        </p:txBody>
+      </p:sp>
+      <p:sp>
+        <p:nvSpPr>
+          <p:cNvPr id="10" name="文本框 9"/>
+          <p:cNvSpPr txBox="1"/>
+          <p:nvPr/>
+        </p:nvSpPr>
+        <p:spPr>
+          <a:xfrm>
+            <a:off x="8843645" y="1579880"/>
+            <a:ext cx="678180" cy="368300"/>
+          </a:xfrm>
+          <a:prstGeom prst="rect">
+            <a:avLst/>
+          </a:prstGeom>
+          <a:noFill/>
+        </p:spPr>
+        <p:txBody>
+          <a:bodyPr wrap="none" rtlCol="0">
+            <a:spAutoFit/>
+          </a:bodyPr>
+          <a:p>
+            <a:r>
+              <a:rPr lang="en-US" altLang="zh-CN"/>
+              <a:t>lover</a:t>
+            </a:r>
+            <a:endParaRPr lang="en-US" altLang="zh-CN"/>
+          </a:p>
+        </p:txBody>
+      </p:sp>
+      <p:sp>
+        <p:nvSpPr>
+          <p:cNvPr id="11" name="文本框 10"/>
+          <p:cNvSpPr txBox="1"/>
+          <p:nvPr/>
+        </p:nvSpPr>
+        <p:spPr>
+          <a:xfrm>
+            <a:off x="5578475" y="2051685"/>
+            <a:ext cx="944880" cy="368300"/>
+          </a:xfrm>
+          <a:prstGeom prst="rect">
+            <a:avLst/>
+          </a:prstGeom>
+          <a:noFill/>
+        </p:spPr>
+        <p:txBody>
+          <a:bodyPr wrap="none" rtlCol="0">
+            <a:spAutoFit/>
+          </a:bodyPr>
+          <a:p>
+            <a:r>
+              <a:rPr lang="en-US" altLang="zh-CN"/>
+              <a:t>records</a:t>
+            </a:r>
+            <a:endParaRPr lang="en-US" altLang="zh-CN"/>
+          </a:p>
+        </p:txBody>
+      </p:sp>
+      <p:cxnSp>
+        <p:nvCxnSpPr>
+          <p:cNvPr id="16" name="曲线连接符 15"/>
+          <p:cNvCxnSpPr>
+            <a:stCxn id="2" idx="2"/>
+            <a:endCxn id="18" idx="1"/>
+          </p:cNvCxnSpPr>
+          <p:nvPr/>
+        </p:nvCxnSpPr>
+        <p:spPr>
+          <a:xfrm rot="5400000" flipV="1">
+            <a:off x="3300730" y="2476500"/>
+            <a:ext cx="1560195" cy="2112010"/>
+          </a:xfrm>
+          <a:prstGeom prst="curvedConnector2">
+            <a:avLst/>
+          </a:prstGeom>
+          <a:ln>
+            <a:headEnd type="arrow"/>
+            <a:tailEnd type="arrow"/>
+          </a:ln>
+        </p:spPr>
+        <p:style>
+          <a:lnRef idx="1">
+            <a:schemeClr val="accent1"/>
+          </a:lnRef>
+          <a:fillRef idx="0">
+            <a:schemeClr val="accent1"/>
+          </a:fillRef>
+          <a:effectRef idx="0">
+            <a:schemeClr val="accent1"/>
+          </a:effectRef>
+          <a:fontRef idx="minor">
+            <a:schemeClr val="tx1"/>
+          </a:fontRef>
+        </p:style>
+      </p:cxnSp>
+      <p:cxnSp>
+        <p:nvCxnSpPr>
+          <p:cNvPr id="17" name="曲线连接符 16"/>
+          <p:cNvCxnSpPr>
+            <a:stCxn id="18" idx="3"/>
+            <a:endCxn id="3" idx="2"/>
+          </p:cNvCxnSpPr>
+          <p:nvPr/>
+        </p:nvCxnSpPr>
+        <p:spPr>
+          <a:xfrm flipV="1">
+            <a:off x="7243445" y="2753360"/>
+            <a:ext cx="1878330" cy="1559560"/>
+          </a:xfrm>
+          <a:prstGeom prst="curvedConnector2">
+            <a:avLst/>
+          </a:prstGeom>
+          <a:ln>
+            <a:headEnd type="arrow"/>
+            <a:tailEnd type="arrow"/>
+          </a:ln>
+        </p:spPr>
+        <p:style>
+          <a:lnRef idx="1">
+            <a:schemeClr val="accent1"/>
+          </a:lnRef>
+          <a:fillRef idx="0">
+            <a:schemeClr val="accent1"/>
+          </a:fillRef>
+          <a:effectRef idx="0">
+            <a:schemeClr val="accent1"/>
+          </a:effectRef>
+          <a:fontRef idx="minor">
+            <a:schemeClr val="tx1"/>
+          </a:fontRef>
+        </p:style>
+      </p:cxnSp>
+      <p:sp>
+        <p:nvSpPr>
+          <p:cNvPr id="18" name="圆角矩形 17"/>
+          <p:cNvSpPr/>
+          <p:nvPr/>
+        </p:nvSpPr>
+        <p:spPr>
+          <a:xfrm>
+            <a:off x="5136515" y="4034790"/>
+            <a:ext cx="2106930" cy="556260"/>
+          </a:xfrm>
+          <a:prstGeom prst="roundRect">
+            <a:avLst/>
+          </a:prstGeom>
+        </p:spPr>
+        <p:style>
+          <a:lnRef idx="2">
+            <a:schemeClr val="accent6"/>
+          </a:lnRef>
+          <a:fillRef idx="1">
+            <a:schemeClr val="lt1"/>
+          </a:fillRef>
+          <a:effectRef idx="0">
+            <a:schemeClr val="accent6"/>
+          </a:effectRef>
+          <a:fontRef idx="minor">
+            <a:schemeClr val="dk1"/>
+          </a:fontRef>
+        </p:style>
+        <p:txBody>
+          <a:bodyPr rtlCol="0" anchor="ctr"/>
+          <a:p>
+            <a:pPr algn="ctr"/>
+            <a:endParaRPr lang="zh-CN" altLang="en-US"/>
+          </a:p>
+        </p:txBody>
+      </p:sp>
+      <p:sp>
+        <p:nvSpPr>
+          <p:cNvPr id="19" name="文本框 18"/>
+          <p:cNvSpPr txBox="1"/>
+          <p:nvPr/>
+        </p:nvSpPr>
+        <p:spPr>
+          <a:xfrm>
+            <a:off x="5713095" y="4213225"/>
+            <a:ext cx="1287780" cy="645160"/>
+          </a:xfrm>
+          <a:prstGeom prst="rect">
+            <a:avLst/>
+          </a:prstGeom>
+          <a:noFill/>
+        </p:spPr>
+        <p:txBody>
+          <a:bodyPr wrap="none" rtlCol="0">
+            <a:spAutoFit/>
+          </a:bodyPr>
+          <a:p>
+            <a:r>
+              <a:rPr lang="en-US" altLang="zh-CN"/>
+              <a:t>loverspace</a:t>
+            </a:r>
+            <a:endParaRPr lang="en-US" altLang="zh-CN"/>
+          </a:p>
+          <a:p>
+            <a:endParaRPr lang="en-US" altLang="zh-CN"/>
           </a:p>
         </p:txBody>
       </p:sp>
@@ -7066,6 +7866,30 @@
   <p:tag name="KSO_WM_TEMPLATE_INDEX" val="20187308"/>
   <p:tag name="KSO_WM_SLIDE_LAYOUT" val="a_b"/>
   <p:tag name="KSO_WM_SLIDE_LAYOUT_CNT" val="1_1"/>
+</p:tagLst>
+</file>
+
+<file path=ppt/tags/tag65.xml><?xml version="1.0" encoding="utf-8"?>
+<p:tagLst xmlns:p="http://schemas.openxmlformats.org/presentationml/2006/main">
+  <p:tag name="KSO_WM_BEAUTIFY_FLAG" val="#wm#"/>
+  <p:tag name="KSO_WM_TEMPLATE_CATEGORY" val="custom"/>
+  <p:tag name="KSO_WM_TEMPLATE_INDEX" val="20187308"/>
+</p:tagLst>
+</file>
+
+<file path=ppt/tags/tag66.xml><?xml version="1.0" encoding="utf-8"?>
+<p:tagLst xmlns:p="http://schemas.openxmlformats.org/presentationml/2006/main">
+  <p:tag name="KSO_WM_BEAUTIFY_FLAG" val="#wm#"/>
+  <p:tag name="KSO_WM_TEMPLATE_CATEGORY" val="custom"/>
+  <p:tag name="KSO_WM_TEMPLATE_INDEX" val="20187308"/>
+</p:tagLst>
+</file>
+
+<file path=ppt/tags/tag67.xml><?xml version="1.0" encoding="utf-8"?>
+<p:tagLst xmlns:p="http://schemas.openxmlformats.org/presentationml/2006/main">
+  <p:tag name="KSO_WM_BEAUTIFY_FLAG" val="#wm#"/>
+  <p:tag name="KSO_WM_TEMPLATE_CATEGORY" val="custom"/>
+  <p:tag name="KSO_WM_TEMPLATE_INDEX" val="20187308"/>
 </p:tagLst>
 </file>
 
